--- a/Sistem Manajemen Tugas Akhir.pptx
+++ b/Sistem Manajemen Tugas Akhir.pptx
@@ -13,7 +13,12 @@
     <p:sldId id="261" r:id="rId7"/>
     <p:sldId id="262" r:id="rId8"/>
     <p:sldId id="263" r:id="rId9"/>
-    <p:sldId id="264" r:id="rId10"/>
+    <p:sldId id="265" r:id="rId10"/>
+    <p:sldId id="266" r:id="rId11"/>
+    <p:sldId id="264" r:id="rId12"/>
+    <p:sldId id="267" r:id="rId13"/>
+    <p:sldId id="268" r:id="rId14"/>
+    <p:sldId id="269" r:id="rId15"/>
   </p:sldIdLst>
   <p:sldSz cx="12192000" cy="6858000"/>
   <p:notesSz cx="6858000" cy="9144000"/>
@@ -112,6 +117,11 @@
       </a:defRPr>
     </a:lvl9pPr>
   </p:defaultTextStyle>
+  <p:extLst>
+    <p:ext uri="{EFAFB233-063F-42B5-8137-9DF3F51BA10A}">
+      <p15:sldGuideLst xmlns:p15="http://schemas.microsoft.com/office/powerpoint/2012/main"/>
+    </p:ext>
+  </p:extLst>
 </p:presentation>
 </file>
 
@@ -389,7 +399,7 @@
           <a:p>
             <a:fld id="{E9E41667-8074-4170-9BD4-6525B82A36DF}" type="datetimeFigureOut">
               <a:rPr lang="en-US" smtClean="0"/>
-              <a:t>Fri 24.01.20</a:t>
+              <a:t>1/26/2020</a:t>
             </a:fld>
             <a:endParaRPr lang="en-US"/>
           </a:p>
@@ -803,7 +813,7 @@
           <a:p>
             <a:fld id="{E9E41667-8074-4170-9BD4-6525B82A36DF}" type="datetimeFigureOut">
               <a:rPr lang="en-US" smtClean="0"/>
-              <a:t>Fri 24.01.20</a:t>
+              <a:t>1/26/2020</a:t>
             </a:fld>
             <a:endParaRPr lang="en-US"/>
           </a:p>
@@ -1139,7 +1149,7 @@
           <a:p>
             <a:fld id="{E9E41667-8074-4170-9BD4-6525B82A36DF}" type="datetimeFigureOut">
               <a:rPr lang="en-US" smtClean="0"/>
-              <a:t>Fri 24.01.20</a:t>
+              <a:t>1/26/2020</a:t>
             </a:fld>
             <a:endParaRPr lang="en-US"/>
           </a:p>
@@ -1544,7 +1554,7 @@
           <a:p>
             <a:fld id="{E9E41667-8074-4170-9BD4-6525B82A36DF}" type="datetimeFigureOut">
               <a:rPr lang="en-US" smtClean="0"/>
-              <a:t>Fri 24.01.20</a:t>
+              <a:t>1/26/2020</a:t>
             </a:fld>
             <a:endParaRPr lang="en-US"/>
           </a:p>
@@ -2112,7 +2122,7 @@
           <a:p>
             <a:fld id="{E9E41667-8074-4170-9BD4-6525B82A36DF}" type="datetimeFigureOut">
               <a:rPr lang="en-US" smtClean="0"/>
-              <a:t>Fri 24.01.20</a:t>
+              <a:t>1/26/2020</a:t>
             </a:fld>
             <a:endParaRPr lang="en-US"/>
           </a:p>
@@ -2793,7 +2803,7 @@
           <a:p>
             <a:fld id="{E9E41667-8074-4170-9BD4-6525B82A36DF}" type="datetimeFigureOut">
               <a:rPr lang="en-US" smtClean="0"/>
-              <a:t>Fri 24.01.20</a:t>
+              <a:t>1/26/2020</a:t>
             </a:fld>
             <a:endParaRPr lang="en-US"/>
           </a:p>
@@ -3706,7 +3716,7 @@
           <a:p>
             <a:fld id="{E9E41667-8074-4170-9BD4-6525B82A36DF}" type="datetimeFigureOut">
               <a:rPr lang="en-US" smtClean="0"/>
-              <a:t>Fri 24.01.20</a:t>
+              <a:t>1/26/2020</a:t>
             </a:fld>
             <a:endParaRPr lang="en-US"/>
           </a:p>
@@ -4019,7 +4029,7 @@
           <a:p>
             <a:fld id="{E9E41667-8074-4170-9BD4-6525B82A36DF}" type="datetimeFigureOut">
               <a:rPr lang="en-US" smtClean="0"/>
-              <a:t>Fri 24.01.20</a:t>
+              <a:t>1/26/2020</a:t>
             </a:fld>
             <a:endParaRPr lang="en-US"/>
           </a:p>
@@ -4283,7 +4293,7 @@
           <a:p>
             <a:fld id="{E9E41667-8074-4170-9BD4-6525B82A36DF}" type="datetimeFigureOut">
               <a:rPr lang="en-US" smtClean="0"/>
-              <a:t>Fri 24.01.20</a:t>
+              <a:t>1/26/2020</a:t>
             </a:fld>
             <a:endParaRPr lang="en-US"/>
           </a:p>
@@ -4606,7 +4616,7 @@
           <a:p>
             <a:fld id="{E9E41667-8074-4170-9BD4-6525B82A36DF}" type="datetimeFigureOut">
               <a:rPr lang="en-US" smtClean="0"/>
-              <a:t>Fri 24.01.20</a:t>
+              <a:t>1/26/2020</a:t>
             </a:fld>
             <a:endParaRPr lang="en-US"/>
           </a:p>
@@ -4995,7 +5005,7 @@
           <a:p>
             <a:fld id="{E9E41667-8074-4170-9BD4-6525B82A36DF}" type="datetimeFigureOut">
               <a:rPr lang="en-US" smtClean="0"/>
-              <a:t>Fri 24.01.20</a:t>
+              <a:t>1/26/2020</a:t>
             </a:fld>
             <a:endParaRPr lang="en-US"/>
           </a:p>
@@ -5371,7 +5381,7 @@
           <a:p>
             <a:fld id="{E9E41667-8074-4170-9BD4-6525B82A36DF}" type="datetimeFigureOut">
               <a:rPr lang="en-US" smtClean="0"/>
-              <a:t>Fri 24.01.20</a:t>
+              <a:t>1/26/2020</a:t>
             </a:fld>
             <a:endParaRPr lang="en-US"/>
           </a:p>
@@ -5877,7 +5887,7 @@
           <a:p>
             <a:fld id="{E9E41667-8074-4170-9BD4-6525B82A36DF}" type="datetimeFigureOut">
               <a:rPr lang="en-US" smtClean="0"/>
-              <a:t>Fri 24.01.20</a:t>
+              <a:t>1/26/2020</a:t>
             </a:fld>
             <a:endParaRPr lang="en-US"/>
           </a:p>
@@ -6134,7 +6144,7 @@
           <a:p>
             <a:fld id="{E9E41667-8074-4170-9BD4-6525B82A36DF}" type="datetimeFigureOut">
               <a:rPr lang="en-US" smtClean="0"/>
-              <a:t>Fri 24.01.20</a:t>
+              <a:t>1/26/2020</a:t>
             </a:fld>
             <a:endParaRPr lang="en-US"/>
           </a:p>
@@ -6297,7 +6307,7 @@
           <a:p>
             <a:fld id="{E9E41667-8074-4170-9BD4-6525B82A36DF}" type="datetimeFigureOut">
               <a:rPr lang="en-US" smtClean="0"/>
-              <a:t>Fri 24.01.20</a:t>
+              <a:t>1/26/2020</a:t>
             </a:fld>
             <a:endParaRPr lang="en-US"/>
           </a:p>
@@ -6687,7 +6697,7 @@
           <a:p>
             <a:fld id="{E9E41667-8074-4170-9BD4-6525B82A36DF}" type="datetimeFigureOut">
               <a:rPr lang="en-US" smtClean="0"/>
-              <a:t>Fri 24.01.20</a:t>
+              <a:t>1/26/2020</a:t>
             </a:fld>
             <a:endParaRPr lang="en-US"/>
           </a:p>
@@ -7096,7 +7106,7 @@
           <a:p>
             <a:fld id="{E9E41667-8074-4170-9BD4-6525B82A36DF}" type="datetimeFigureOut">
               <a:rPr lang="en-US" smtClean="0"/>
-              <a:t>Fri 24.01.20</a:t>
+              <a:t>1/26/2020</a:t>
             </a:fld>
             <a:endParaRPr lang="en-US"/>
           </a:p>
@@ -7340,7 +7350,7 @@
           <a:p>
             <a:fld id="{E9E41667-8074-4170-9BD4-6525B82A36DF}" type="datetimeFigureOut">
               <a:rPr lang="en-US" smtClean="0"/>
-              <a:t>Fri 24.01.20</a:t>
+              <a:t>1/26/2020</a:t>
             </a:fld>
             <a:endParaRPr lang="en-US"/>
           </a:p>
@@ -7893,6 +7903,593 @@
 </p:sld>
 </file>
 
+<file path=ppt/slides/slide10.xml><?xml version="1.0" encoding="utf-8"?>
+<p:sld xmlns:a="http://schemas.openxmlformats.org/drawingml/2006/main" xmlns:r="http://schemas.openxmlformats.org/officeDocument/2006/relationships" xmlns:p="http://schemas.openxmlformats.org/presentationml/2006/main">
+  <p:cSld>
+    <p:spTree>
+      <p:nvGrpSpPr>
+        <p:cNvPr id="1" name=""/>
+        <p:cNvGrpSpPr/>
+        <p:nvPr/>
+      </p:nvGrpSpPr>
+      <p:grpSpPr>
+        <a:xfrm>
+          <a:off x="0" y="0"/>
+          <a:ext cx="0" cy="0"/>
+          <a:chOff x="0" y="0"/>
+          <a:chExt cx="0" cy="0"/>
+        </a:xfrm>
+      </p:grpSpPr>
+      <p:sp>
+        <p:nvSpPr>
+          <p:cNvPr id="2" name="Title 1">
+            <a:extLst>
+              <a:ext uri="{FF2B5EF4-FFF2-40B4-BE49-F238E27FC236}">
+                <a16:creationId xmlns:a16="http://schemas.microsoft.com/office/drawing/2014/main" id="{BDDD2D2E-C891-4353-B036-B34C3DC2FB1B}"/>
+              </a:ext>
+            </a:extLst>
+          </p:cNvPr>
+          <p:cNvSpPr>
+            <a:spLocks noGrp="1"/>
+          </p:cNvSpPr>
+          <p:nvPr>
+            <p:ph type="title"/>
+          </p:nvPr>
+        </p:nvSpPr>
+        <p:spPr/>
+        <p:txBody>
+          <a:bodyPr/>
+          <a:lstStyle/>
+          <a:p>
+            <a:r>
+              <a:rPr lang="en-US" dirty="0" err="1"/>
+              <a:t>Contoh</a:t>
+            </a:r>
+            <a:r>
+              <a:rPr lang="en-US" dirty="0"/>
+              <a:t> navigability unidirectional dan multiplicity </a:t>
+            </a:r>
+            <a:r>
+              <a:rPr lang="en-US" dirty="0" err="1"/>
+              <a:t>relasi</a:t>
+            </a:r>
+            <a:endParaRPr lang="en-ID" dirty="0"/>
+          </a:p>
+        </p:txBody>
+      </p:sp>
+      <p:sp>
+        <p:nvSpPr>
+          <p:cNvPr id="3" name="Content Placeholder 2">
+            <a:extLst>
+              <a:ext uri="{FF2B5EF4-FFF2-40B4-BE49-F238E27FC236}">
+                <a16:creationId xmlns:a16="http://schemas.microsoft.com/office/drawing/2014/main" id="{576C7711-7854-4A26-B5EE-954009DBB19F}"/>
+              </a:ext>
+            </a:extLst>
+          </p:cNvPr>
+          <p:cNvSpPr>
+            <a:spLocks noGrp="1"/>
+          </p:cNvSpPr>
+          <p:nvPr>
+            <p:ph idx="1"/>
+          </p:nvPr>
+        </p:nvSpPr>
+        <p:spPr>
+          <a:xfrm>
+            <a:off x="110835" y="1995056"/>
+            <a:ext cx="11887201" cy="4862944"/>
+          </a:xfrm>
+        </p:spPr>
+        <p:txBody>
+          <a:bodyPr/>
+          <a:lstStyle/>
+          <a:p>
+            <a:pPr marL="0" indent="0">
+              <a:buNone/>
+            </a:pPr>
+            <a:r>
+              <a:rPr lang="en-US" dirty="0"/>
+              <a:t>					      Multiplicity : </a:t>
+            </a:r>
+            <a:r>
+              <a:rPr lang="en-US" dirty="0" err="1"/>
+              <a:t>Mahasiswa</a:t>
+            </a:r>
+            <a:r>
+              <a:rPr lang="en-US" dirty="0"/>
+              <a:t> 	: 0..1</a:t>
+            </a:r>
+            <a:endParaRPr lang="en-ID" dirty="0"/>
+          </a:p>
+          <a:p>
+            <a:pPr marL="0" indent="0">
+              <a:buNone/>
+            </a:pPr>
+            <a:r>
+              <a:rPr lang="en-ID" dirty="0"/>
+              <a:t>							      </a:t>
+            </a:r>
+            <a:r>
+              <a:rPr lang="en-ID" dirty="0" err="1"/>
+              <a:t>Dosen</a:t>
+            </a:r>
+            <a:r>
+              <a:rPr lang="en-ID" dirty="0"/>
+              <a:t> 		: 0..1</a:t>
+            </a:r>
+            <a:endParaRPr lang="en-US" dirty="0"/>
+          </a:p>
+        </p:txBody>
+      </p:sp>
+      <p:pic>
+        <p:nvPicPr>
+          <p:cNvPr id="5" name="Picture 4">
+            <a:extLst>
+              <a:ext uri="{FF2B5EF4-FFF2-40B4-BE49-F238E27FC236}">
+                <a16:creationId xmlns:a16="http://schemas.microsoft.com/office/drawing/2014/main" id="{47CA304A-16D5-4038-B2BB-287349782396}"/>
+              </a:ext>
+            </a:extLst>
+          </p:cNvPr>
+          <p:cNvPicPr>
+            <a:picLocks noChangeAspect="1"/>
+          </p:cNvPicPr>
+          <p:nvPr/>
+        </p:nvPicPr>
+        <p:blipFill>
+          <a:blip r:embed="rId2"/>
+          <a:stretch>
+            <a:fillRect/>
+          </a:stretch>
+        </p:blipFill>
+        <p:spPr>
+          <a:xfrm>
+            <a:off x="680321" y="2050476"/>
+            <a:ext cx="4542624" cy="4658676"/>
+          </a:xfrm>
+          <a:prstGeom prst="rect">
+            <a:avLst/>
+          </a:prstGeom>
+        </p:spPr>
+      </p:pic>
+    </p:spTree>
+    <p:extLst>
+      <p:ext uri="{BB962C8B-B14F-4D97-AF65-F5344CB8AC3E}">
+        <p14:creationId xmlns:p14="http://schemas.microsoft.com/office/powerpoint/2010/main" val="1721903466"/>
+      </p:ext>
+    </p:extLst>
+  </p:cSld>
+  <p:clrMapOvr>
+    <a:masterClrMapping/>
+  </p:clrMapOvr>
+</p:sld>
+</file>
+
+<file path=ppt/slides/slide11.xml><?xml version="1.0" encoding="utf-8"?>
+<p:sld xmlns:a="http://schemas.openxmlformats.org/drawingml/2006/main" xmlns:r="http://schemas.openxmlformats.org/officeDocument/2006/relationships" xmlns:p="http://schemas.openxmlformats.org/presentationml/2006/main">
+  <p:cSld>
+    <p:spTree>
+      <p:nvGrpSpPr>
+        <p:cNvPr id="1" name=""/>
+        <p:cNvGrpSpPr/>
+        <p:nvPr/>
+      </p:nvGrpSpPr>
+      <p:grpSpPr>
+        <a:xfrm>
+          <a:off x="0" y="0"/>
+          <a:ext cx="0" cy="0"/>
+          <a:chOff x="0" y="0"/>
+          <a:chExt cx="0" cy="0"/>
+        </a:xfrm>
+      </p:grpSpPr>
+      <p:sp>
+        <p:nvSpPr>
+          <p:cNvPr id="2" name="Title 1">
+            <a:extLst>
+              <a:ext uri="{FF2B5EF4-FFF2-40B4-BE49-F238E27FC236}">
+                <a16:creationId xmlns:a16="http://schemas.microsoft.com/office/drawing/2014/main" id="{CA7C60D7-F881-45AD-BFFA-070ABE66E800}"/>
+              </a:ext>
+            </a:extLst>
+          </p:cNvPr>
+          <p:cNvSpPr>
+            <a:spLocks noGrp="1"/>
+          </p:cNvSpPr>
+          <p:nvPr>
+            <p:ph type="title"/>
+          </p:nvPr>
+        </p:nvSpPr>
+        <p:spPr/>
+        <p:txBody>
+          <a:bodyPr/>
+          <a:lstStyle/>
+          <a:p>
+            <a:r>
+              <a:rPr lang="en-US" dirty="0" err="1"/>
+              <a:t>terkoneksi</a:t>
+            </a:r>
+            <a:r>
+              <a:rPr lang="en-US" dirty="0"/>
+              <a:t> </a:t>
+            </a:r>
+            <a:r>
+              <a:rPr lang="en-US" dirty="0" err="1"/>
+              <a:t>dengan</a:t>
+            </a:r>
+            <a:r>
+              <a:rPr lang="en-US" dirty="0"/>
+              <a:t> database</a:t>
+            </a:r>
+          </a:p>
+        </p:txBody>
+      </p:sp>
+      <p:pic>
+        <p:nvPicPr>
+          <p:cNvPr id="4" name="Content Placeholder 3">
+            <a:extLst>
+              <a:ext uri="{FF2B5EF4-FFF2-40B4-BE49-F238E27FC236}">
+                <a16:creationId xmlns:a16="http://schemas.microsoft.com/office/drawing/2014/main" id="{7E2A23C5-F09B-42EC-BB80-74FF2B0C3137}"/>
+              </a:ext>
+            </a:extLst>
+          </p:cNvPr>
+          <p:cNvPicPr>
+            <a:picLocks noGrp="1" noChangeAspect="1"/>
+          </p:cNvPicPr>
+          <p:nvPr>
+            <p:ph idx="1"/>
+          </p:nvPr>
+        </p:nvPicPr>
+        <p:blipFill>
+          <a:blip r:embed="rId2"/>
+          <a:stretch>
+            <a:fillRect/>
+          </a:stretch>
+        </p:blipFill>
+        <p:spPr>
+          <a:xfrm>
+            <a:off x="1801298" y="2959730"/>
+            <a:ext cx="7373379" cy="2353003"/>
+          </a:xfrm>
+          <a:prstGeom prst="rect">
+            <a:avLst/>
+          </a:prstGeom>
+        </p:spPr>
+      </p:pic>
+    </p:spTree>
+    <p:extLst>
+      <p:ext uri="{BB962C8B-B14F-4D97-AF65-F5344CB8AC3E}">
+        <p14:creationId xmlns:p14="http://schemas.microsoft.com/office/powerpoint/2010/main" val="3476254427"/>
+      </p:ext>
+    </p:extLst>
+  </p:cSld>
+  <p:clrMapOvr>
+    <a:masterClrMapping/>
+  </p:clrMapOvr>
+</p:sld>
+</file>
+
+<file path=ppt/slides/slide12.xml><?xml version="1.0" encoding="utf-8"?>
+<p:sld xmlns:a="http://schemas.openxmlformats.org/drawingml/2006/main" xmlns:r="http://schemas.openxmlformats.org/officeDocument/2006/relationships" xmlns:p="http://schemas.openxmlformats.org/presentationml/2006/main">
+  <p:cSld>
+    <p:spTree>
+      <p:nvGrpSpPr>
+        <p:cNvPr id="1" name=""/>
+        <p:cNvGrpSpPr/>
+        <p:nvPr/>
+      </p:nvGrpSpPr>
+      <p:grpSpPr>
+        <a:xfrm>
+          <a:off x="0" y="0"/>
+          <a:ext cx="0" cy="0"/>
+          <a:chOff x="0" y="0"/>
+          <a:chExt cx="0" cy="0"/>
+        </a:xfrm>
+      </p:grpSpPr>
+      <p:sp>
+        <p:nvSpPr>
+          <p:cNvPr id="2" name="Title 1">
+            <a:extLst>
+              <a:ext uri="{FF2B5EF4-FFF2-40B4-BE49-F238E27FC236}">
+                <a16:creationId xmlns:a16="http://schemas.microsoft.com/office/drawing/2014/main" id="{1EF77BF3-205A-4BF7-AC68-F4E3A8195A19}"/>
+              </a:ext>
+            </a:extLst>
+          </p:cNvPr>
+          <p:cNvSpPr>
+            <a:spLocks noGrp="1"/>
+          </p:cNvSpPr>
+          <p:nvPr>
+            <p:ph type="title"/>
+          </p:nvPr>
+        </p:nvSpPr>
+        <p:spPr/>
+        <p:txBody>
+          <a:bodyPr/>
+          <a:lstStyle/>
+          <a:p>
+            <a:r>
+              <a:rPr lang="en-US" dirty="0"/>
+              <a:t>Mockup interface</a:t>
+            </a:r>
+            <a:endParaRPr lang="en-ID" dirty="0"/>
+          </a:p>
+        </p:txBody>
+      </p:sp>
+      <p:pic>
+        <p:nvPicPr>
+          <p:cNvPr id="4" name="Content Placeholder 3">
+            <a:extLst>
+              <a:ext uri="{FF2B5EF4-FFF2-40B4-BE49-F238E27FC236}">
+                <a16:creationId xmlns:a16="http://schemas.microsoft.com/office/drawing/2014/main" id="{82048228-AAF1-4771-A473-A0FD5CF29EB9}"/>
+              </a:ext>
+            </a:extLst>
+          </p:cNvPr>
+          <p:cNvPicPr>
+            <a:picLocks noGrp="1" noChangeAspect="1"/>
+          </p:cNvPicPr>
+          <p:nvPr>
+            <p:ph idx="1"/>
+          </p:nvPr>
+        </p:nvPicPr>
+        <p:blipFill>
+          <a:blip r:embed="rId2"/>
+          <a:stretch>
+            <a:fillRect/>
+          </a:stretch>
+        </p:blipFill>
+        <p:spPr>
+          <a:xfrm>
+            <a:off x="680321" y="2101273"/>
+            <a:ext cx="5746577" cy="4493491"/>
+          </a:xfrm>
+          <a:prstGeom prst="rect">
+            <a:avLst/>
+          </a:prstGeom>
+        </p:spPr>
+      </p:pic>
+      <p:pic>
+        <p:nvPicPr>
+          <p:cNvPr id="5" name="Picture 4">
+            <a:extLst>
+              <a:ext uri="{FF2B5EF4-FFF2-40B4-BE49-F238E27FC236}">
+                <a16:creationId xmlns:a16="http://schemas.microsoft.com/office/drawing/2014/main" id="{25485905-DD41-43D4-9B9C-DE7452C8768E}"/>
+              </a:ext>
+            </a:extLst>
+          </p:cNvPr>
+          <p:cNvPicPr>
+            <a:picLocks noChangeAspect="1"/>
+          </p:cNvPicPr>
+          <p:nvPr/>
+        </p:nvPicPr>
+        <p:blipFill>
+          <a:blip r:embed="rId3"/>
+          <a:stretch>
+            <a:fillRect/>
+          </a:stretch>
+        </p:blipFill>
+        <p:spPr>
+          <a:xfrm>
+            <a:off x="6723061" y="2101273"/>
+            <a:ext cx="4937608" cy="4668982"/>
+          </a:xfrm>
+          <a:prstGeom prst="rect">
+            <a:avLst/>
+          </a:prstGeom>
+        </p:spPr>
+      </p:pic>
+    </p:spTree>
+    <p:extLst>
+      <p:ext uri="{BB962C8B-B14F-4D97-AF65-F5344CB8AC3E}">
+        <p14:creationId xmlns:p14="http://schemas.microsoft.com/office/powerpoint/2010/main" val="2597046933"/>
+      </p:ext>
+    </p:extLst>
+  </p:cSld>
+  <p:clrMapOvr>
+    <a:masterClrMapping/>
+  </p:clrMapOvr>
+</p:sld>
+</file>
+
+<file path=ppt/slides/slide13.xml><?xml version="1.0" encoding="utf-8"?>
+<p:sld xmlns:a="http://schemas.openxmlformats.org/drawingml/2006/main" xmlns:r="http://schemas.openxmlformats.org/officeDocument/2006/relationships" xmlns:p="http://schemas.openxmlformats.org/presentationml/2006/main">
+  <p:cSld>
+    <p:spTree>
+      <p:nvGrpSpPr>
+        <p:cNvPr id="1" name=""/>
+        <p:cNvGrpSpPr/>
+        <p:nvPr/>
+      </p:nvGrpSpPr>
+      <p:grpSpPr>
+        <a:xfrm>
+          <a:off x="0" y="0"/>
+          <a:ext cx="0" cy="0"/>
+          <a:chOff x="0" y="0"/>
+          <a:chExt cx="0" cy="0"/>
+        </a:xfrm>
+      </p:grpSpPr>
+      <p:sp>
+        <p:nvSpPr>
+          <p:cNvPr id="2" name="Title 1">
+            <a:extLst>
+              <a:ext uri="{FF2B5EF4-FFF2-40B4-BE49-F238E27FC236}">
+                <a16:creationId xmlns:a16="http://schemas.microsoft.com/office/drawing/2014/main" id="{C552274A-F4F0-4953-B785-CB002680DC08}"/>
+              </a:ext>
+            </a:extLst>
+          </p:cNvPr>
+          <p:cNvSpPr>
+            <a:spLocks noGrp="1"/>
+          </p:cNvSpPr>
+          <p:nvPr>
+            <p:ph type="title"/>
+          </p:nvPr>
+        </p:nvSpPr>
+        <p:spPr/>
+        <p:txBody>
+          <a:bodyPr/>
+          <a:lstStyle/>
+          <a:p>
+            <a:endParaRPr lang="en-ID"/>
+          </a:p>
+        </p:txBody>
+      </p:sp>
+      <p:pic>
+        <p:nvPicPr>
+          <p:cNvPr id="4" name="Content Placeholder 3">
+            <a:extLst>
+              <a:ext uri="{FF2B5EF4-FFF2-40B4-BE49-F238E27FC236}">
+                <a16:creationId xmlns:a16="http://schemas.microsoft.com/office/drawing/2014/main" id="{54F6D876-305F-4BAE-90E9-02B9043D6EE6}"/>
+              </a:ext>
+            </a:extLst>
+          </p:cNvPr>
+          <p:cNvPicPr>
+            <a:picLocks noGrp="1" noChangeAspect="1"/>
+          </p:cNvPicPr>
+          <p:nvPr>
+            <p:ph idx="1"/>
+          </p:nvPr>
+        </p:nvPicPr>
+        <p:blipFill>
+          <a:blip r:embed="rId2"/>
+          <a:stretch>
+            <a:fillRect/>
+          </a:stretch>
+        </p:blipFill>
+        <p:spPr>
+          <a:xfrm>
+            <a:off x="680321" y="1976578"/>
+            <a:ext cx="3670006" cy="4823437"/>
+          </a:xfrm>
+          <a:prstGeom prst="rect">
+            <a:avLst/>
+          </a:prstGeom>
+        </p:spPr>
+      </p:pic>
+      <p:pic>
+        <p:nvPicPr>
+          <p:cNvPr id="5" name="Picture 4">
+            <a:extLst>
+              <a:ext uri="{FF2B5EF4-FFF2-40B4-BE49-F238E27FC236}">
+                <a16:creationId xmlns:a16="http://schemas.microsoft.com/office/drawing/2014/main" id="{A1AC432D-BB2D-4E7F-8030-F480389A872B}"/>
+              </a:ext>
+            </a:extLst>
+          </p:cNvPr>
+          <p:cNvPicPr>
+            <a:picLocks noChangeAspect="1"/>
+          </p:cNvPicPr>
+          <p:nvPr/>
+        </p:nvPicPr>
+        <p:blipFill>
+          <a:blip r:embed="rId3"/>
+          <a:stretch>
+            <a:fillRect/>
+          </a:stretch>
+        </p:blipFill>
+        <p:spPr>
+          <a:xfrm>
+            <a:off x="4994997" y="1985972"/>
+            <a:ext cx="5798964" cy="4823437"/>
+          </a:xfrm>
+          <a:prstGeom prst="rect">
+            <a:avLst/>
+          </a:prstGeom>
+        </p:spPr>
+      </p:pic>
+    </p:spTree>
+    <p:extLst>
+      <p:ext uri="{BB962C8B-B14F-4D97-AF65-F5344CB8AC3E}">
+        <p14:creationId xmlns:p14="http://schemas.microsoft.com/office/powerpoint/2010/main" val="4020752651"/>
+      </p:ext>
+    </p:extLst>
+  </p:cSld>
+  <p:clrMapOvr>
+    <a:masterClrMapping/>
+  </p:clrMapOvr>
+</p:sld>
+</file>
+
+<file path=ppt/slides/slide14.xml><?xml version="1.0" encoding="utf-8"?>
+<p:sld xmlns:a="http://schemas.openxmlformats.org/drawingml/2006/main" xmlns:r="http://schemas.openxmlformats.org/officeDocument/2006/relationships" xmlns:p="http://schemas.openxmlformats.org/presentationml/2006/main">
+  <p:cSld>
+    <p:spTree>
+      <p:nvGrpSpPr>
+        <p:cNvPr id="1" name=""/>
+        <p:cNvGrpSpPr/>
+        <p:nvPr/>
+      </p:nvGrpSpPr>
+      <p:grpSpPr>
+        <a:xfrm>
+          <a:off x="0" y="0"/>
+          <a:ext cx="0" cy="0"/>
+          <a:chOff x="0" y="0"/>
+          <a:chExt cx="0" cy="0"/>
+        </a:xfrm>
+      </p:grpSpPr>
+      <p:sp>
+        <p:nvSpPr>
+          <p:cNvPr id="2" name="Title 1">
+            <a:extLst>
+              <a:ext uri="{FF2B5EF4-FFF2-40B4-BE49-F238E27FC236}">
+                <a16:creationId xmlns:a16="http://schemas.microsoft.com/office/drawing/2014/main" id="{6A9504AD-C232-44F4-BD09-4D746FA68646}"/>
+              </a:ext>
+            </a:extLst>
+          </p:cNvPr>
+          <p:cNvSpPr>
+            <a:spLocks noGrp="1"/>
+          </p:cNvSpPr>
+          <p:nvPr>
+            <p:ph type="title"/>
+          </p:nvPr>
+        </p:nvSpPr>
+        <p:spPr/>
+        <p:txBody>
+          <a:bodyPr/>
+          <a:lstStyle/>
+          <a:p>
+            <a:endParaRPr lang="en-ID"/>
+          </a:p>
+        </p:txBody>
+      </p:sp>
+      <p:pic>
+        <p:nvPicPr>
+          <p:cNvPr id="4" name="Content Placeholder 3">
+            <a:extLst>
+              <a:ext uri="{FF2B5EF4-FFF2-40B4-BE49-F238E27FC236}">
+                <a16:creationId xmlns:a16="http://schemas.microsoft.com/office/drawing/2014/main" id="{9423F9B5-6AA3-4A50-B262-F4B025FF0507}"/>
+              </a:ext>
+            </a:extLst>
+          </p:cNvPr>
+          <p:cNvPicPr>
+            <a:picLocks noGrp="1" noChangeAspect="1"/>
+          </p:cNvPicPr>
+          <p:nvPr>
+            <p:ph idx="1"/>
+          </p:nvPr>
+        </p:nvPicPr>
+        <p:blipFill>
+          <a:blip r:embed="rId2"/>
+          <a:stretch>
+            <a:fillRect/>
+          </a:stretch>
+        </p:blipFill>
+        <p:spPr>
+          <a:xfrm>
+            <a:off x="680320" y="2018141"/>
+            <a:ext cx="5734335" cy="4765802"/>
+          </a:xfrm>
+          <a:prstGeom prst="rect">
+            <a:avLst/>
+          </a:prstGeom>
+        </p:spPr>
+      </p:pic>
+    </p:spTree>
+    <p:extLst>
+      <p:ext uri="{BB962C8B-B14F-4D97-AF65-F5344CB8AC3E}">
+        <p14:creationId xmlns:p14="http://schemas.microsoft.com/office/powerpoint/2010/main" val="3589820139"/>
+      </p:ext>
+    </p:extLst>
+  </p:cSld>
+  <p:clrMapOvr>
+    <a:masterClrMapping/>
+  </p:clrMapOvr>
+</p:sld>
+</file>
+
 <file path=ppt/slides/slide2.xml><?xml version="1.0" encoding="utf-8"?>
 <p:sld xmlns:a="http://schemas.openxmlformats.org/drawingml/2006/main" xmlns:r="http://schemas.openxmlformats.org/officeDocument/2006/relationships" xmlns:p="http://schemas.openxmlformats.org/presentationml/2006/main">
   <p:cSld>
@@ -8758,8 +9355,8 @@
         </p:blipFill>
         <p:spPr>
           <a:xfrm>
-            <a:off x="2715826" y="3407467"/>
-            <a:ext cx="5544324" cy="1457528"/>
+            <a:off x="680320" y="2174411"/>
+            <a:ext cx="8593225" cy="2259043"/>
           </a:xfrm>
           <a:prstGeom prst="rect">
             <a:avLst/>
@@ -8881,8 +9478,8 @@
         </p:blipFill>
         <p:spPr>
           <a:xfrm>
-            <a:off x="3189514" y="2377915"/>
-            <a:ext cx="4677428" cy="2619741"/>
+            <a:off x="680320" y="2119129"/>
+            <a:ext cx="7854079" cy="4398925"/>
           </a:xfrm>
           <a:prstGeom prst="rect">
             <a:avLst/>
@@ -8975,8 +9572,8 @@
         </p:blipFill>
         <p:spPr>
           <a:xfrm>
-            <a:off x="3358853" y="3255046"/>
-            <a:ext cx="4258269" cy="1762371"/>
+            <a:off x="680321" y="2271373"/>
+            <a:ext cx="7533870" cy="3118045"/>
           </a:xfrm>
           <a:prstGeom prst="rect">
             <a:avLst/>
@@ -9103,8 +9700,8 @@
         </p:blipFill>
         <p:spPr>
           <a:xfrm>
-            <a:off x="3004706" y="2345380"/>
-            <a:ext cx="6182588" cy="1305107"/>
+            <a:off x="680320" y="2123893"/>
+            <a:ext cx="9017861" cy="1903616"/>
           </a:xfrm>
           <a:prstGeom prst="rect">
             <a:avLst/>
@@ -9133,8 +9730,8 @@
         </p:blipFill>
         <p:spPr>
           <a:xfrm>
-            <a:off x="947019" y="4161702"/>
-            <a:ext cx="10297962" cy="1724266"/>
+            <a:off x="666464" y="4317235"/>
+            <a:ext cx="11369101" cy="2055856"/>
           </a:xfrm>
           <a:prstGeom prst="rect">
             <a:avLst/>
@@ -9235,8 +9832,8 @@
         </p:blipFill>
         <p:spPr>
           <a:xfrm>
-            <a:off x="2487194" y="2935914"/>
-            <a:ext cx="6001588" cy="2400635"/>
+            <a:off x="680321" y="2228682"/>
+            <a:ext cx="7175206" cy="2870082"/>
           </a:xfrm>
           <a:prstGeom prst="rect">
             <a:avLst/>
@@ -9278,7 +9875,7 @@
           <p:cNvPr id="2" name="Title 1">
             <a:extLst>
               <a:ext uri="{FF2B5EF4-FFF2-40B4-BE49-F238E27FC236}">
-                <a16:creationId xmlns:a16="http://schemas.microsoft.com/office/drawing/2014/main" id="{CA7C60D7-F881-45AD-BFFA-070ABE66E800}"/>
+                <a16:creationId xmlns:a16="http://schemas.microsoft.com/office/drawing/2014/main" id="{A3323FC0-B246-4957-A8CB-8F686FCFFA39}"/>
               </a:ext>
             </a:extLst>
           </p:cNvPr>
@@ -9291,43 +9888,94 @@
         </p:nvSpPr>
         <p:spPr/>
         <p:txBody>
+          <a:bodyPr>
+            <a:normAutofit/>
+          </a:bodyPr>
+          <a:lstStyle/>
+          <a:p>
+            <a:r>
+              <a:rPr lang="en-US" dirty="0" err="1"/>
+              <a:t>Contoh</a:t>
+            </a:r>
+            <a:r>
+              <a:rPr lang="en-US" dirty="0"/>
+              <a:t> navigability bidirectional dan multiplicity </a:t>
+            </a:r>
+            <a:r>
+              <a:rPr lang="en-US" dirty="0" err="1"/>
+              <a:t>relasi</a:t>
+            </a:r>
+            <a:endParaRPr lang="en-ID" dirty="0"/>
+          </a:p>
+        </p:txBody>
+      </p:sp>
+      <p:sp>
+        <p:nvSpPr>
+          <p:cNvPr id="3" name="Content Placeholder 2">
+            <a:extLst>
+              <a:ext uri="{FF2B5EF4-FFF2-40B4-BE49-F238E27FC236}">
+                <a16:creationId xmlns:a16="http://schemas.microsoft.com/office/drawing/2014/main" id="{00201784-6D1B-4976-95ED-7879F3D2F338}"/>
+              </a:ext>
+            </a:extLst>
+          </p:cNvPr>
+          <p:cNvSpPr>
+            <a:spLocks noGrp="1"/>
+          </p:cNvSpPr>
+          <p:nvPr>
+            <p:ph idx="1"/>
+          </p:nvPr>
+        </p:nvSpPr>
+        <p:spPr>
+          <a:xfrm>
+            <a:off x="0" y="2059781"/>
+            <a:ext cx="12192000" cy="4687383"/>
+          </a:xfrm>
+        </p:spPr>
+        <p:txBody>
           <a:bodyPr/>
           <a:lstStyle/>
           <a:p>
+            <a:pPr marL="0" indent="0">
+              <a:buNone/>
+            </a:pPr>
+            <a:r>
+              <a:rPr lang="en-US" dirty="0"/>
+              <a:t> 						Multiplicity 	: Prodi  : 1..*</a:t>
+            </a:r>
+          </a:p>
+          <a:p>
+            <a:pPr marL="0" indent="0">
+              <a:buNone/>
+            </a:pPr>
+            <a:r>
+              <a:rPr lang="en-US" dirty="0"/>
+              <a:t>								  </a:t>
+            </a:r>
             <a:r>
               <a:rPr lang="en-US" dirty="0" err="1"/>
-              <a:t>terkoneksi</a:t>
+              <a:t>Dosen</a:t>
             </a:r>
             <a:r>
               <a:rPr lang="en-US" dirty="0"/>
-              <a:t> </a:t>
-            </a:r>
-            <a:r>
-              <a:rPr lang="en-US" dirty="0" err="1"/>
-              <a:t>dengan</a:t>
-            </a:r>
-            <a:r>
-              <a:rPr lang="en-US" dirty="0"/>
-              <a:t> database</a:t>
-            </a:r>
+              <a:t> : 1..*  </a:t>
+            </a:r>
+            <a:endParaRPr lang="en-ID" dirty="0"/>
           </a:p>
         </p:txBody>
       </p:sp>
       <p:pic>
         <p:nvPicPr>
-          <p:cNvPr id="4" name="Content Placeholder 3">
+          <p:cNvPr id="7" name="Picture 6">
             <a:extLst>
               <a:ext uri="{FF2B5EF4-FFF2-40B4-BE49-F238E27FC236}">
-                <a16:creationId xmlns:a16="http://schemas.microsoft.com/office/drawing/2014/main" id="{7E2A23C5-F09B-42EC-BB80-74FF2B0C3137}"/>
+                <a16:creationId xmlns:a16="http://schemas.microsoft.com/office/drawing/2014/main" id="{A79DEC8B-9BEB-450C-84DC-34454F3B1F7A}"/>
               </a:ext>
             </a:extLst>
           </p:cNvPr>
           <p:cNvPicPr>
-            <a:picLocks noGrp="1" noChangeAspect="1"/>
+            <a:picLocks noChangeAspect="1"/>
           </p:cNvPicPr>
-          <p:nvPr>
-            <p:ph idx="1"/>
-          </p:nvPr>
+          <p:nvPr/>
         </p:nvPicPr>
         <p:blipFill>
           <a:blip r:embed="rId2"/>
@@ -9337,8 +9985,8 @@
         </p:blipFill>
         <p:spPr>
           <a:xfrm>
-            <a:off x="1801298" y="2959730"/>
-            <a:ext cx="7373379" cy="2353003"/>
+            <a:off x="517813" y="2025385"/>
+            <a:ext cx="4594514" cy="4756173"/>
           </a:xfrm>
           <a:prstGeom prst="rect">
             <a:avLst/>
@@ -9348,7 +9996,7 @@
     </p:spTree>
     <p:extLst>
       <p:ext uri="{BB962C8B-B14F-4D97-AF65-F5344CB8AC3E}">
-        <p14:creationId xmlns:p14="http://schemas.microsoft.com/office/powerpoint/2010/main" val="3476254427"/>
+        <p14:creationId xmlns:p14="http://schemas.microsoft.com/office/powerpoint/2010/main" val="1730902173"/>
       </p:ext>
     </p:extLst>
   </p:cSld>
